--- a/6_Reports/6_1_Depression/MH_23_7.6.pptx
+++ b/6_Reports/6_1_Depression/MH_23_7.6.pptx
@@ -14,8 +14,8 @@
     <p:sldId id="984" r:id="rId5"/>
     <p:sldId id="997" r:id="rId6"/>
     <p:sldId id="996" r:id="rId7"/>
-    <p:sldId id="258" r:id="rId8"/>
-    <p:sldId id="998" r:id="rId9"/>
+    <p:sldId id="998" r:id="rId8"/>
+    <p:sldId id="258" r:id="rId9"/>
     <p:sldId id="992" r:id="rId10"/>
     <p:sldId id="999" r:id="rId11"/>
     <p:sldId id="995" r:id="rId12"/>
@@ -545,7 +545,7 @@
           <a:p>
             <a:fld id="{C8BCDB59-56DB-4465-8EB1-B418C5106DD7}" type="slidenum">
               <a:rPr lang="zh-CN" altLang="en-US" smtClean="0"/>
-              <a:t>6</a:t>
+              <a:t>7</a:t>
             </a:fld>
             <a:endParaRPr lang="zh-CN" altLang="en-US"/>
           </a:p>
@@ -7565,6 +7565,45 @@
           </a:p>
         </p:txBody>
       </p:sp>
+      <p:sp>
+        <p:nvSpPr>
+          <p:cNvPr id="2" name="文本框 1">
+            <a:extLst>
+              <a:ext uri="{FF2B5EF4-FFF2-40B4-BE49-F238E27FC236}">
+                <a16:creationId xmlns:a16="http://schemas.microsoft.com/office/drawing/2014/main" id="{64391B38-2B3E-0FF4-AED8-73E92ED4954E}"/>
+              </a:ext>
+            </a:extLst>
+          </p:cNvPr>
+          <p:cNvSpPr txBox="1"/>
+          <p:nvPr/>
+        </p:nvSpPr>
+        <p:spPr>
+          <a:xfrm>
+            <a:off x="2250831" y="4811151"/>
+            <a:ext cx="9087729" cy="646331"/>
+          </a:xfrm>
+          <a:prstGeom prst="rect">
+            <a:avLst/>
+          </a:prstGeom>
+          <a:noFill/>
+        </p:spPr>
+        <p:txBody>
+          <a:bodyPr wrap="square" rtlCol="0">
+            <a:spAutoFit/>
+          </a:bodyPr>
+          <a:lstStyle/>
+          <a:p>
+            <a:pPr algn="l"/>
+            <a:r>
+              <a:rPr lang="zh-CN" altLang="en-US" sz="3600" dirty="0">
+                <a:latin typeface="宋体" panose="02010600030101010101" pitchFamily="2" charset="-122"/>
+                <a:ea typeface="宋体" panose="02010600030101010101" pitchFamily="2" charset="-122"/>
+              </a:rPr>
+              <a:t>汪浩远 胡孟真 田柳青 刘伟彪 胡传鹏</a:t>
+            </a:r>
+          </a:p>
+        </p:txBody>
+      </p:sp>
     </p:spTree>
     <p:extLst>
       <p:ext uri="{BB962C8B-B14F-4D97-AF65-F5344CB8AC3E}">
@@ -7810,49 +7849,6 @@
           <a:chExt cx="0" cy="0"/>
         </a:xfrm>
       </p:grpSpPr>
-      <p:sp>
-        <p:nvSpPr>
-          <p:cNvPr id="6" name="文本框 5">
-            <a:extLst>
-              <a:ext uri="{FF2B5EF4-FFF2-40B4-BE49-F238E27FC236}">
-                <a16:creationId xmlns:a16="http://schemas.microsoft.com/office/drawing/2014/main" id="{BCA7ABD3-F4FF-86E4-1F57-9975AE5FF64A}"/>
-              </a:ext>
-            </a:extLst>
-          </p:cNvPr>
-          <p:cNvSpPr txBox="1"/>
-          <p:nvPr/>
-        </p:nvSpPr>
-        <p:spPr>
-          <a:xfrm>
-            <a:off x="270369" y="363684"/>
-            <a:ext cx="6094428" cy="369332"/>
-          </a:xfrm>
-          <a:prstGeom prst="rect">
-            <a:avLst/>
-          </a:prstGeom>
-          <a:noFill/>
-        </p:spPr>
-        <p:txBody>
-          <a:bodyPr wrap="square">
-            <a:spAutoFit/>
-          </a:bodyPr>
-          <a:lstStyle/>
-          <a:p>
-            <a:pPr algn="l"/>
-            <a:r>
-              <a:rPr lang="zh-CN" altLang="en-US" sz="1800" dirty="0">
-                <a:latin typeface="宋体" panose="02010600030101010101" pitchFamily="2" charset="-122"/>
-                <a:ea typeface="宋体" panose="02010600030101010101" pitchFamily="2" charset="-122"/>
-              </a:rPr>
-              <a:t>目前的结果</a:t>
-            </a:r>
-            <a:endParaRPr lang="en-US" altLang="zh-CN" sz="1800" dirty="0">
-              <a:latin typeface="宋体" panose="02010600030101010101" pitchFamily="2" charset="-122"/>
-              <a:ea typeface="宋体" panose="02010600030101010101" pitchFamily="2" charset="-122"/>
-            </a:endParaRPr>
-          </a:p>
-        </p:txBody>
-      </p:sp>
       <p:pic>
         <p:nvPicPr>
           <p:cNvPr id="4" name="图片 3">
@@ -8563,8 +8559,8 @@
         </p:blipFill>
         <p:spPr bwMode="auto">
           <a:xfrm>
-            <a:off x="-190500" y="-214630"/>
-            <a:ext cx="12573000" cy="7072630"/>
+            <a:off x="54708" y="30467"/>
+            <a:ext cx="12137292" cy="6827533"/>
           </a:xfrm>
           <a:prstGeom prst="rect">
             <a:avLst/>
@@ -8619,7 +8615,7 @@
         </p:nvSpPr>
         <p:spPr>
           <a:xfrm>
-            <a:off x="1715678" y="707012"/>
+            <a:off x="699154" y="72797"/>
             <a:ext cx="10793691" cy="1200329"/>
           </a:xfrm>
           <a:prstGeom prst="rect">
@@ -8655,12 +8651,47 @@
           </a:p>
         </p:txBody>
       </p:sp>
+      <p:sp>
+        <p:nvSpPr>
+          <p:cNvPr id="12" name="文本框 11">
+            <a:extLst>
+              <a:ext uri="{FF2B5EF4-FFF2-40B4-BE49-F238E27FC236}">
+                <a16:creationId xmlns:a16="http://schemas.microsoft.com/office/drawing/2014/main" id="{445382B4-3CAC-225D-0E16-00C03E802026}"/>
+              </a:ext>
+            </a:extLst>
+          </p:cNvPr>
+          <p:cNvSpPr txBox="1"/>
+          <p:nvPr/>
+        </p:nvSpPr>
+        <p:spPr>
+          <a:xfrm>
+            <a:off x="2206572" y="5781656"/>
+            <a:ext cx="6253088" cy="369332"/>
+          </a:xfrm>
+          <a:prstGeom prst="rect">
+            <a:avLst/>
+          </a:prstGeom>
+          <a:noFill/>
+        </p:spPr>
+        <p:txBody>
+          <a:bodyPr wrap="square">
+            <a:spAutoFit/>
+          </a:bodyPr>
+          <a:lstStyle/>
+          <a:p>
+            <a:r>
+              <a:rPr lang="zh-CN" altLang="en-US" dirty="0"/>
+              <a:t>https://github.com/wanghaoyuan123/MH_CPL</a:t>
+            </a:r>
+          </a:p>
+        </p:txBody>
+      </p:sp>
       <p:pic>
         <p:nvPicPr>
-          <p:cNvPr id="8" name="图片 7">
-            <a:extLst>
-              <a:ext uri="{FF2B5EF4-FFF2-40B4-BE49-F238E27FC236}">
-                <a16:creationId xmlns:a16="http://schemas.microsoft.com/office/drawing/2014/main" id="{25E637A5-0A49-2F74-CEBD-F097236F14DB}"/>
+          <p:cNvPr id="4" name="图片 3">
+            <a:extLst>
+              <a:ext uri="{FF2B5EF4-FFF2-40B4-BE49-F238E27FC236}">
+                <a16:creationId xmlns:a16="http://schemas.microsoft.com/office/drawing/2014/main" id="{D52E203F-A668-CC65-16D5-4ACA8150A758}"/>
               </a:ext>
             </a:extLst>
           </p:cNvPr>
@@ -8677,8 +8708,8 @@
         </p:blipFill>
         <p:spPr>
           <a:xfrm>
-            <a:off x="621003" y="1640055"/>
-            <a:ext cx="4817930" cy="2113127"/>
+            <a:off x="278135" y="707012"/>
+            <a:ext cx="6236846" cy="4860222"/>
           </a:xfrm>
           <a:prstGeom prst="rect">
             <a:avLst/>
@@ -8687,10 +8718,10 @@
       </p:pic>
       <p:pic>
         <p:nvPicPr>
-          <p:cNvPr id="10" name="图片 9">
-            <a:extLst>
-              <a:ext uri="{FF2B5EF4-FFF2-40B4-BE49-F238E27FC236}">
-                <a16:creationId xmlns:a16="http://schemas.microsoft.com/office/drawing/2014/main" id="{450A4A4F-9A6A-F555-923E-32CCDCD95CF7}"/>
+          <p:cNvPr id="9" name="图片 8">
+            <a:extLst>
+              <a:ext uri="{FF2B5EF4-FFF2-40B4-BE49-F238E27FC236}">
+                <a16:creationId xmlns:a16="http://schemas.microsoft.com/office/drawing/2014/main" id="{3181EDF6-ABA8-2B1A-7FAD-609C7338452A}"/>
               </a:ext>
             </a:extLst>
           </p:cNvPr>
@@ -8707,49 +8738,14 @@
         </p:blipFill>
         <p:spPr>
           <a:xfrm>
-            <a:off x="5926870" y="1503952"/>
-            <a:ext cx="5403205" cy="3186129"/>
+            <a:off x="6902406" y="1760915"/>
+            <a:ext cx="5086873" cy="3035219"/>
           </a:xfrm>
           <a:prstGeom prst="rect">
             <a:avLst/>
           </a:prstGeom>
         </p:spPr>
       </p:pic>
-      <p:sp>
-        <p:nvSpPr>
-          <p:cNvPr id="12" name="文本框 11">
-            <a:extLst>
-              <a:ext uri="{FF2B5EF4-FFF2-40B4-BE49-F238E27FC236}">
-                <a16:creationId xmlns:a16="http://schemas.microsoft.com/office/drawing/2014/main" id="{445382B4-3CAC-225D-0E16-00C03E802026}"/>
-              </a:ext>
-            </a:extLst>
-          </p:cNvPr>
-          <p:cNvSpPr txBox="1"/>
-          <p:nvPr/>
-        </p:nvSpPr>
-        <p:spPr>
-          <a:xfrm>
-            <a:off x="2136233" y="4984716"/>
-            <a:ext cx="6253088" cy="369332"/>
-          </a:xfrm>
-          <a:prstGeom prst="rect">
-            <a:avLst/>
-          </a:prstGeom>
-          <a:noFill/>
-        </p:spPr>
-        <p:txBody>
-          <a:bodyPr wrap="square">
-            <a:spAutoFit/>
-          </a:bodyPr>
-          <a:lstStyle/>
-          <a:p>
-            <a:r>
-              <a:rPr lang="zh-CN" altLang="en-US" dirty="0"/>
-              <a:t>https://github.com/wanghaoyuan123/MH_CPL</a:t>
-            </a:r>
-          </a:p>
-        </p:txBody>
-      </p:sp>
     </p:spTree>
     <p:extLst>
       <p:ext uri="{BB962C8B-B14F-4D97-AF65-F5344CB8AC3E}">
@@ -9563,6 +9559,66 @@
 </file>
 
 <file path=ppt/slides/slide6.xml><?xml version="1.0" encoding="utf-8"?>
+<p:sld xmlns:a="http://schemas.openxmlformats.org/drawingml/2006/main" xmlns:r="http://schemas.openxmlformats.org/officeDocument/2006/relationships" xmlns:p="http://schemas.openxmlformats.org/presentationml/2006/main">
+  <p:cSld>
+    <p:spTree>
+      <p:nvGrpSpPr>
+        <p:cNvPr id="1" name=""/>
+        <p:cNvGrpSpPr/>
+        <p:nvPr/>
+      </p:nvGrpSpPr>
+      <p:grpSpPr>
+        <a:xfrm>
+          <a:off x="0" y="0"/>
+          <a:ext cx="0" cy="0"/>
+          <a:chOff x="0" y="0"/>
+          <a:chExt cx="0" cy="0"/>
+        </a:xfrm>
+      </p:grpSpPr>
+      <p:pic>
+        <p:nvPicPr>
+          <p:cNvPr id="3" name="图片 2">
+            <a:extLst>
+              <a:ext uri="{FF2B5EF4-FFF2-40B4-BE49-F238E27FC236}">
+                <a16:creationId xmlns:a16="http://schemas.microsoft.com/office/drawing/2014/main" id="{07F706EA-5A4A-7CF0-3A64-C0DB626627D4}"/>
+              </a:ext>
+            </a:extLst>
+          </p:cNvPr>
+          <p:cNvPicPr>
+            <a:picLocks noChangeAspect="1"/>
+          </p:cNvPicPr>
+          <p:nvPr/>
+        </p:nvPicPr>
+        <p:blipFill>
+          <a:blip r:embed="rId2"/>
+          <a:stretch>
+            <a:fillRect/>
+          </a:stretch>
+        </p:blipFill>
+        <p:spPr>
+          <a:xfrm>
+            <a:off x="103695" y="1140241"/>
+            <a:ext cx="12192000" cy="4068469"/>
+          </a:xfrm>
+          <a:prstGeom prst="rect">
+            <a:avLst/>
+          </a:prstGeom>
+        </p:spPr>
+      </p:pic>
+    </p:spTree>
+    <p:extLst>
+      <p:ext uri="{BB962C8B-B14F-4D97-AF65-F5344CB8AC3E}">
+        <p14:creationId xmlns:p14="http://schemas.microsoft.com/office/powerpoint/2010/main" val="395412160"/>
+      </p:ext>
+    </p:extLst>
+  </p:cSld>
+  <p:clrMapOvr>
+    <a:masterClrMapping/>
+  </p:clrMapOvr>
+</p:sld>
+</file>
+
+<file path=ppt/slides/slide7.xml><?xml version="1.0" encoding="utf-8"?>
 <p:sld xmlns:a="http://schemas.openxmlformats.org/drawingml/2006/main" xmlns:r="http://schemas.openxmlformats.org/officeDocument/2006/relationships" xmlns:p="http://schemas.openxmlformats.org/presentationml/2006/main">
   <p:cSld>
     <p:spTree>
@@ -15062,66 +15118,6 @@
 </p:sld>
 </file>
 
-<file path=ppt/slides/slide7.xml><?xml version="1.0" encoding="utf-8"?>
-<p:sld xmlns:a="http://schemas.openxmlformats.org/drawingml/2006/main" xmlns:r="http://schemas.openxmlformats.org/officeDocument/2006/relationships" xmlns:p="http://schemas.openxmlformats.org/presentationml/2006/main">
-  <p:cSld>
-    <p:spTree>
-      <p:nvGrpSpPr>
-        <p:cNvPr id="1" name=""/>
-        <p:cNvGrpSpPr/>
-        <p:nvPr/>
-      </p:nvGrpSpPr>
-      <p:grpSpPr>
-        <a:xfrm>
-          <a:off x="0" y="0"/>
-          <a:ext cx="0" cy="0"/>
-          <a:chOff x="0" y="0"/>
-          <a:chExt cx="0" cy="0"/>
-        </a:xfrm>
-      </p:grpSpPr>
-      <p:pic>
-        <p:nvPicPr>
-          <p:cNvPr id="3" name="图片 2">
-            <a:extLst>
-              <a:ext uri="{FF2B5EF4-FFF2-40B4-BE49-F238E27FC236}">
-                <a16:creationId xmlns:a16="http://schemas.microsoft.com/office/drawing/2014/main" id="{07F706EA-5A4A-7CF0-3A64-C0DB626627D4}"/>
-              </a:ext>
-            </a:extLst>
-          </p:cNvPr>
-          <p:cNvPicPr>
-            <a:picLocks noChangeAspect="1"/>
-          </p:cNvPicPr>
-          <p:nvPr/>
-        </p:nvPicPr>
-        <p:blipFill>
-          <a:blip r:embed="rId2"/>
-          <a:stretch>
-            <a:fillRect/>
-          </a:stretch>
-        </p:blipFill>
-        <p:spPr>
-          <a:xfrm>
-            <a:off x="103695" y="1140241"/>
-            <a:ext cx="12192000" cy="4068469"/>
-          </a:xfrm>
-          <a:prstGeom prst="rect">
-            <a:avLst/>
-          </a:prstGeom>
-        </p:spPr>
-      </p:pic>
-    </p:spTree>
-    <p:extLst>
-      <p:ext uri="{BB962C8B-B14F-4D97-AF65-F5344CB8AC3E}">
-        <p14:creationId xmlns:p14="http://schemas.microsoft.com/office/powerpoint/2010/main" val="395412160"/>
-      </p:ext>
-    </p:extLst>
-  </p:cSld>
-  <p:clrMapOvr>
-    <a:masterClrMapping/>
-  </p:clrMapOvr>
-</p:sld>
-</file>
-
 <file path=ppt/slides/slide8.xml><?xml version="1.0" encoding="utf-8"?>
 <p:sld xmlns:a="http://schemas.openxmlformats.org/drawingml/2006/main" xmlns:r="http://schemas.openxmlformats.org/officeDocument/2006/relationships" xmlns:p="http://schemas.openxmlformats.org/presentationml/2006/main">
   <p:cSld>
